--- a/python.pptx
+++ b/python.pptx
@@ -10,6 +10,7 @@
     <p:sldId id="258" r:id="rId4"/>
     <p:sldId id="259" r:id="rId5"/>
     <p:sldId id="260" r:id="rId6"/>
+    <p:sldId id="261" r:id="rId7"/>
   </p:sldIdLst>
   <p:sldSz cx="12192000" cy="6858000"/>
   <p:notesSz cx="6858000" cy="9144000"/>
@@ -247,7 +248,7 @@
           <a:p>
             <a:fld id="{0D60357B-0F1F-4481-B49A-AC6F4F54B47F}" type="datetimeFigureOut">
               <a:rPr lang="zh-CN" altLang="en-US" smtClean="0"/>
-              <a:t>2017/1/2</a:t>
+              <a:t>2017/1/3</a:t>
             </a:fld>
             <a:endParaRPr lang="zh-CN" altLang="en-US"/>
           </a:p>
@@ -417,7 +418,7 @@
           <a:p>
             <a:fld id="{0D60357B-0F1F-4481-B49A-AC6F4F54B47F}" type="datetimeFigureOut">
               <a:rPr lang="zh-CN" altLang="en-US" smtClean="0"/>
-              <a:t>2017/1/2</a:t>
+              <a:t>2017/1/3</a:t>
             </a:fld>
             <a:endParaRPr lang="zh-CN" altLang="en-US"/>
           </a:p>
@@ -597,7 +598,7 @@
           <a:p>
             <a:fld id="{0D60357B-0F1F-4481-B49A-AC6F4F54B47F}" type="datetimeFigureOut">
               <a:rPr lang="zh-CN" altLang="en-US" smtClean="0"/>
-              <a:t>2017/1/2</a:t>
+              <a:t>2017/1/3</a:t>
             </a:fld>
             <a:endParaRPr lang="zh-CN" altLang="en-US"/>
           </a:p>
@@ -767,7 +768,7 @@
           <a:p>
             <a:fld id="{0D60357B-0F1F-4481-B49A-AC6F4F54B47F}" type="datetimeFigureOut">
               <a:rPr lang="zh-CN" altLang="en-US" smtClean="0"/>
-              <a:t>2017/1/2</a:t>
+              <a:t>2017/1/3</a:t>
             </a:fld>
             <a:endParaRPr lang="zh-CN" altLang="en-US"/>
           </a:p>
@@ -1013,7 +1014,7 @@
           <a:p>
             <a:fld id="{0D60357B-0F1F-4481-B49A-AC6F4F54B47F}" type="datetimeFigureOut">
               <a:rPr lang="zh-CN" altLang="en-US" smtClean="0"/>
-              <a:t>2017/1/2</a:t>
+              <a:t>2017/1/3</a:t>
             </a:fld>
             <a:endParaRPr lang="zh-CN" altLang="en-US"/>
           </a:p>
@@ -1245,7 +1246,7 @@
           <a:p>
             <a:fld id="{0D60357B-0F1F-4481-B49A-AC6F4F54B47F}" type="datetimeFigureOut">
               <a:rPr lang="zh-CN" altLang="en-US" smtClean="0"/>
-              <a:t>2017/1/2</a:t>
+              <a:t>2017/1/3</a:t>
             </a:fld>
             <a:endParaRPr lang="zh-CN" altLang="en-US"/>
           </a:p>
@@ -1612,7 +1613,7 @@
           <a:p>
             <a:fld id="{0D60357B-0F1F-4481-B49A-AC6F4F54B47F}" type="datetimeFigureOut">
               <a:rPr lang="zh-CN" altLang="en-US" smtClean="0"/>
-              <a:t>2017/1/2</a:t>
+              <a:t>2017/1/3</a:t>
             </a:fld>
             <a:endParaRPr lang="zh-CN" altLang="en-US"/>
           </a:p>
@@ -1730,7 +1731,7 @@
           <a:p>
             <a:fld id="{0D60357B-0F1F-4481-B49A-AC6F4F54B47F}" type="datetimeFigureOut">
               <a:rPr lang="zh-CN" altLang="en-US" smtClean="0"/>
-              <a:t>2017/1/2</a:t>
+              <a:t>2017/1/3</a:t>
             </a:fld>
             <a:endParaRPr lang="zh-CN" altLang="en-US"/>
           </a:p>
@@ -1825,7 +1826,7 @@
           <a:p>
             <a:fld id="{0D60357B-0F1F-4481-B49A-AC6F4F54B47F}" type="datetimeFigureOut">
               <a:rPr lang="zh-CN" altLang="en-US" smtClean="0"/>
-              <a:t>2017/1/2</a:t>
+              <a:t>2017/1/3</a:t>
             </a:fld>
             <a:endParaRPr lang="zh-CN" altLang="en-US"/>
           </a:p>
@@ -2102,7 +2103,7 @@
           <a:p>
             <a:fld id="{0D60357B-0F1F-4481-B49A-AC6F4F54B47F}" type="datetimeFigureOut">
               <a:rPr lang="zh-CN" altLang="en-US" smtClean="0"/>
-              <a:t>2017/1/2</a:t>
+              <a:t>2017/1/3</a:t>
             </a:fld>
             <a:endParaRPr lang="zh-CN" altLang="en-US"/>
           </a:p>
@@ -2355,7 +2356,7 @@
           <a:p>
             <a:fld id="{0D60357B-0F1F-4481-B49A-AC6F4F54B47F}" type="datetimeFigureOut">
               <a:rPr lang="zh-CN" altLang="en-US" smtClean="0"/>
-              <a:t>2017/1/2</a:t>
+              <a:t>2017/1/3</a:t>
             </a:fld>
             <a:endParaRPr lang="zh-CN" altLang="en-US"/>
           </a:p>
@@ -2568,7 +2569,7 @@
           <a:p>
             <a:fld id="{0D60357B-0F1F-4481-B49A-AC6F4F54B47F}" type="datetimeFigureOut">
               <a:rPr lang="zh-CN" altLang="en-US" smtClean="0"/>
-              <a:t>2017/1/2</a:t>
+              <a:t>2017/1/3</a:t>
             </a:fld>
             <a:endParaRPr lang="zh-CN" altLang="en-US"/>
           </a:p>
@@ -5665,6 +5666,281 @@
 </p:sld>
 </file>
 
+<file path=ppt/slides/slide6.xml><?xml version="1.0" encoding="utf-8"?>
+<p:sld xmlns:a="http://schemas.openxmlformats.org/drawingml/2006/main" xmlns:r="http://schemas.openxmlformats.org/officeDocument/2006/relationships" xmlns:p="http://schemas.openxmlformats.org/presentationml/2006/main">
+  <p:cSld>
+    <p:spTree>
+      <p:nvGrpSpPr>
+        <p:cNvPr id="1" name=""/>
+        <p:cNvGrpSpPr/>
+        <p:nvPr/>
+      </p:nvGrpSpPr>
+      <p:grpSpPr>
+        <a:xfrm>
+          <a:off x="0" y="0"/>
+          <a:ext cx="0" cy="0"/>
+          <a:chOff x="0" y="0"/>
+          <a:chExt cx="0" cy="0"/>
+        </a:xfrm>
+      </p:grpSpPr>
+      <p:sp>
+        <p:nvSpPr>
+          <p:cNvPr id="4" name="文本框 3"/>
+          <p:cNvSpPr txBox="1"/>
+          <p:nvPr/>
+        </p:nvSpPr>
+        <p:spPr>
+          <a:xfrm>
+            <a:off x="4571999" y="629728"/>
+            <a:ext cx="3398807" cy="584775"/>
+          </a:xfrm>
+          <a:prstGeom prst="rect">
+            <a:avLst/>
+          </a:prstGeom>
+          <a:noFill/>
+        </p:spPr>
+        <p:txBody>
+          <a:bodyPr wrap="square" rtlCol="0">
+            <a:spAutoFit/>
+          </a:bodyPr>
+          <a:lstStyle/>
+          <a:p>
+            <a:r>
+              <a:rPr lang="en-US" altLang="zh-CN" sz="3200" b="1" dirty="0" err="1" smtClean="0">
+                <a:latin typeface="+mn-ea"/>
+              </a:rPr>
+              <a:t>Github</a:t>
+            </a:r>
+            <a:r>
+              <a:rPr lang="zh-CN" altLang="en-US" sz="3200" b="1" dirty="0" smtClean="0">
+                <a:latin typeface="+mn-ea"/>
+              </a:rPr>
+              <a:t>代码同步</a:t>
+            </a:r>
+            <a:endParaRPr lang="zh-CN" altLang="en-US" sz="3200" b="1" dirty="0">
+              <a:latin typeface="+mn-ea"/>
+            </a:endParaRPr>
+          </a:p>
+        </p:txBody>
+      </p:sp>
+      <p:sp>
+        <p:nvSpPr>
+          <p:cNvPr id="21" name="文本框 20"/>
+          <p:cNvSpPr txBox="1"/>
+          <p:nvPr/>
+        </p:nvSpPr>
+        <p:spPr>
+          <a:xfrm>
+            <a:off x="4560093" y="1467928"/>
+            <a:ext cx="3398807" cy="400110"/>
+          </a:xfrm>
+          <a:prstGeom prst="rect">
+            <a:avLst/>
+          </a:prstGeom>
+          <a:noFill/>
+        </p:spPr>
+        <p:txBody>
+          <a:bodyPr wrap="square" rtlCol="0">
+            <a:spAutoFit/>
+          </a:bodyPr>
+          <a:lstStyle/>
+          <a:p>
+            <a:r>
+              <a:rPr lang="zh-CN" altLang="en-US" sz="2000" b="1" dirty="0" smtClean="0">
+                <a:latin typeface="+mn-ea"/>
+              </a:rPr>
+              <a:t>遇见问题</a:t>
+            </a:r>
+            <a:endParaRPr lang="zh-CN" altLang="en-US" sz="2000" b="1" dirty="0">
+              <a:latin typeface="+mn-ea"/>
+            </a:endParaRPr>
+          </a:p>
+        </p:txBody>
+      </p:sp>
+      <p:sp>
+        <p:nvSpPr>
+          <p:cNvPr id="26" name="文本框 25"/>
+          <p:cNvSpPr txBox="1"/>
+          <p:nvPr/>
+        </p:nvSpPr>
+        <p:spPr>
+          <a:xfrm>
+            <a:off x="1420653" y="2121463"/>
+            <a:ext cx="8774907" cy="2443939"/>
+          </a:xfrm>
+          <a:prstGeom prst="rect">
+            <a:avLst/>
+          </a:prstGeom>
+          <a:noFill/>
+        </p:spPr>
+        <p:txBody>
+          <a:bodyPr wrap="square" rtlCol="0">
+            <a:spAutoFit/>
+          </a:bodyPr>
+          <a:lstStyle/>
+          <a:p>
+            <a:pPr>
+              <a:lnSpc>
+                <a:spcPct val="200000"/>
+              </a:lnSpc>
+            </a:pPr>
+            <a:r>
+              <a:rPr lang="en-US" altLang="zh-CN" sz="2000" b="1" dirty="0" smtClean="0">
+                <a:latin typeface="+mn-ea"/>
+              </a:rPr>
+              <a:t>1.git push </a:t>
+            </a:r>
+            <a:r>
+              <a:rPr lang="en-US" altLang="zh-CN" sz="2000" b="1" dirty="0" err="1" smtClean="0">
+                <a:latin typeface="+mn-ea"/>
+              </a:rPr>
+              <a:t>ogrigin</a:t>
+            </a:r>
+            <a:r>
+              <a:rPr lang="en-US" altLang="zh-CN" sz="2000" b="1" dirty="0" smtClean="0">
+                <a:latin typeface="+mn-ea"/>
+              </a:rPr>
+              <a:t> master </a:t>
+            </a:r>
+            <a:r>
+              <a:rPr lang="zh-CN" altLang="en-US" sz="2000" b="1" dirty="0" smtClean="0">
+                <a:latin typeface="+mn-ea"/>
+              </a:rPr>
+              <a:t>显示</a:t>
+            </a:r>
+            <a:r>
+              <a:rPr lang="en-US" altLang="zh-CN" sz="2000" b="1" dirty="0" smtClean="0">
+                <a:latin typeface="+mn-ea"/>
+              </a:rPr>
+              <a:t>everything is up to date</a:t>
+            </a:r>
+            <a:r>
+              <a:rPr lang="zh-CN" altLang="en-US" sz="2000" b="1" dirty="0" smtClean="0">
+                <a:latin typeface="+mn-ea"/>
+              </a:rPr>
+              <a:t>，线上未提交：</a:t>
+            </a:r>
+            <a:endParaRPr lang="en-US" altLang="zh-CN" sz="2000" b="1" dirty="0" smtClean="0">
+              <a:latin typeface="+mn-ea"/>
+            </a:endParaRPr>
+          </a:p>
+          <a:p>
+            <a:pPr>
+              <a:lnSpc>
+                <a:spcPct val="200000"/>
+              </a:lnSpc>
+            </a:pPr>
+            <a:r>
+              <a:rPr lang="zh-CN" altLang="en-US" sz="2000" b="1" dirty="0" smtClean="0">
+                <a:latin typeface="+mn-ea"/>
+              </a:rPr>
+              <a:t>首先应</a:t>
+            </a:r>
+            <a:r>
+              <a:rPr lang="en-US" altLang="zh-CN" sz="2000" b="1" dirty="0" err="1" smtClean="0">
+                <a:latin typeface="+mn-ea"/>
+              </a:rPr>
+              <a:t>git</a:t>
+            </a:r>
+            <a:r>
+              <a:rPr lang="en-US" altLang="zh-CN" sz="2000" b="1" dirty="0" smtClean="0">
+                <a:latin typeface="+mn-ea"/>
+              </a:rPr>
+              <a:t> +add .</a:t>
+            </a:r>
+            <a:r>
+              <a:rPr lang="zh-CN" altLang="en-US" sz="2000" b="1" dirty="0" smtClean="0">
+                <a:latin typeface="+mn-ea"/>
+              </a:rPr>
+              <a:t>或是</a:t>
+            </a:r>
+            <a:r>
+              <a:rPr lang="en-US" altLang="zh-CN" sz="2000" b="1" dirty="0" err="1" smtClean="0">
+                <a:latin typeface="+mn-ea"/>
+              </a:rPr>
+              <a:t>git</a:t>
+            </a:r>
+            <a:r>
+              <a:rPr lang="en-US" altLang="zh-CN" sz="2000" b="1" dirty="0" smtClean="0">
+                <a:latin typeface="+mn-ea"/>
+              </a:rPr>
+              <a:t> +add </a:t>
+            </a:r>
+            <a:r>
+              <a:rPr lang="zh-CN" altLang="en-US" sz="2000" b="1" dirty="0" smtClean="0">
+                <a:latin typeface="+mn-ea"/>
+              </a:rPr>
+              <a:t>文件名；</a:t>
+            </a:r>
+            <a:endParaRPr lang="en-US" altLang="zh-CN" sz="2000" b="1" dirty="0" smtClean="0">
+              <a:latin typeface="+mn-ea"/>
+            </a:endParaRPr>
+          </a:p>
+          <a:p>
+            <a:pPr>
+              <a:lnSpc>
+                <a:spcPct val="200000"/>
+              </a:lnSpc>
+            </a:pPr>
+            <a:r>
+              <a:rPr lang="zh-CN" altLang="en-US" sz="2000" b="1" dirty="0" smtClean="0">
+                <a:latin typeface="+mn-ea"/>
+              </a:rPr>
+              <a:t>其次</a:t>
+            </a:r>
+            <a:r>
+              <a:rPr lang="en-US" altLang="zh-CN" sz="2000" b="1" dirty="0" err="1" smtClean="0">
+                <a:latin typeface="+mn-ea"/>
+              </a:rPr>
+              <a:t>git</a:t>
+            </a:r>
+            <a:r>
+              <a:rPr lang="en-US" altLang="zh-CN" sz="2000" b="1" dirty="0" smtClean="0">
+                <a:latin typeface="+mn-ea"/>
+              </a:rPr>
+              <a:t> commit –m “</a:t>
+            </a:r>
+            <a:r>
+              <a:rPr lang="zh-CN" altLang="en-US" sz="2000" b="1" dirty="0" smtClean="0">
+                <a:latin typeface="+mn-ea"/>
+              </a:rPr>
+              <a:t>备注修改内容”。</a:t>
+            </a:r>
+            <a:endParaRPr lang="en-US" altLang="zh-CN" sz="2000" b="1" dirty="0" smtClean="0">
+              <a:latin typeface="+mn-ea"/>
+            </a:endParaRPr>
+          </a:p>
+          <a:p>
+            <a:pPr>
+              <a:lnSpc>
+                <a:spcPct val="200000"/>
+              </a:lnSpc>
+            </a:pPr>
+            <a:r>
+              <a:rPr lang="zh-CN" altLang="en-US" sz="2000" b="1" dirty="0" smtClean="0">
+                <a:latin typeface="+mn-ea"/>
+              </a:rPr>
+              <a:t>之后再提交。</a:t>
+            </a:r>
+            <a:endParaRPr lang="zh-CN" altLang="en-US" sz="2000" b="1" dirty="0">
+              <a:latin typeface="+mn-ea"/>
+            </a:endParaRPr>
+          </a:p>
+        </p:txBody>
+      </p:sp>
+    </p:spTree>
+    <p:extLst>
+      <p:ext uri="{BB962C8B-B14F-4D97-AF65-F5344CB8AC3E}">
+        <p14:creationId xmlns:p14="http://schemas.microsoft.com/office/powerpoint/2010/main" val="2177382850"/>
+      </p:ext>
+    </p:extLst>
+  </p:cSld>
+  <p:clrMapOvr>
+    <a:masterClrMapping/>
+  </p:clrMapOvr>
+</p:sld>
+</file>
+
 <file path=ppt/theme/theme1.xml><?xml version="1.0" encoding="utf-8"?>
 <a:theme xmlns:a="http://schemas.openxmlformats.org/drawingml/2006/main" name="Office 主题">
   <a:themeElements>
